--- a/SPLN/tp3/apresSPLN.pptx
+++ b/SPLN/tp3/apresSPLN.pptx
@@ -5,7 +5,7 @@
     <p:sldMasterId id="2147483648" r:id="rId1"/>
   </p:sldMasterIdLst>
   <p:notesMasterIdLst>
-    <p:notesMasterId r:id="rId12"/>
+    <p:notesMasterId r:id="rId13"/>
   </p:notesMasterIdLst>
   <p:sldIdLst>
     <p:sldId id="256" r:id="rId2"/>
@@ -15,9 +15,10 @@
     <p:sldId id="334" r:id="rId6"/>
     <p:sldId id="337" r:id="rId7"/>
     <p:sldId id="338" r:id="rId8"/>
-    <p:sldId id="341" r:id="rId9"/>
-    <p:sldId id="339" r:id="rId10"/>
-    <p:sldId id="340" r:id="rId11"/>
+    <p:sldId id="339" r:id="rId9"/>
+    <p:sldId id="341" r:id="rId10"/>
+    <p:sldId id="342" r:id="rId11"/>
+    <p:sldId id="340" r:id="rId12"/>
   </p:sldIdLst>
   <p:sldSz cx="9144000" cy="6858000" type="screen4x3"/>
   <p:notesSz cx="9144000" cy="6858000"/>
@@ -217,7 +218,7 @@
           <a:p>
             <a:fld id="{06D80BC0-DB8E-4343-896B-DB141BAE3B05}" type="datetimeFigureOut">
               <a:rPr lang="pt-PT" smtClean="0"/>
-              <a:t>27/06/2019</a:t>
+              <a:t>29/06/2019</a:t>
             </a:fld>
             <a:endParaRPr lang="pt-PT"/>
           </a:p>
@@ -612,6 +613,90 @@
           <a:bodyPr/>
           <a:lstStyle/>
           <a:p>
+            <a:endParaRPr lang="pt-PT" b="0" i="0" u="sng" dirty="0"/>
+          </a:p>
+        </p:txBody>
+      </p:sp>
+      <p:sp>
+        <p:nvSpPr>
+          <p:cNvPr id="4" name="Marcador de Posição do Número do Diapositivo 3"/>
+          <p:cNvSpPr>
+            <a:spLocks noGrp="1"/>
+          </p:cNvSpPr>
+          <p:nvPr>
+            <p:ph type="sldNum" sz="quarter" idx="5"/>
+          </p:nvPr>
+        </p:nvSpPr>
+        <p:spPr/>
+        <p:txBody>
+          <a:bodyPr/>
+          <a:lstStyle/>
+          <a:p>
+            <a:fld id="{62C9FF69-D9AD-48B5-8D39-7AA42039F77D}" type="slidenum">
+              <a:rPr lang="pt-PT" smtClean="0"/>
+              <a:t>10</a:t>
+            </a:fld>
+            <a:endParaRPr lang="pt-PT"/>
+          </a:p>
+        </p:txBody>
+      </p:sp>
+    </p:spTree>
+    <p:extLst>
+      <p:ext uri="{BB962C8B-B14F-4D97-AF65-F5344CB8AC3E}">
+        <p14:creationId xmlns:p14="http://schemas.microsoft.com/office/powerpoint/2010/main" val="4114771992"/>
+      </p:ext>
+    </p:extLst>
+  </p:cSld>
+  <p:clrMapOvr>
+    <a:masterClrMapping/>
+  </p:clrMapOvr>
+</p:notes>
+</file>
+
+<file path=ppt/notesSlides/notesSlide11.xml><?xml version="1.0" encoding="utf-8"?>
+<p:notes xmlns:a="http://schemas.openxmlformats.org/drawingml/2006/main" xmlns:r="http://schemas.openxmlformats.org/officeDocument/2006/relationships" xmlns:p="http://schemas.openxmlformats.org/presentationml/2006/main">
+  <p:cSld>
+    <p:spTree>
+      <p:nvGrpSpPr>
+        <p:cNvPr id="1" name=""/>
+        <p:cNvGrpSpPr/>
+        <p:nvPr/>
+      </p:nvGrpSpPr>
+      <p:grpSpPr>
+        <a:xfrm>
+          <a:off x="0" y="0"/>
+          <a:ext cx="0" cy="0"/>
+          <a:chOff x="0" y="0"/>
+          <a:chExt cx="0" cy="0"/>
+        </a:xfrm>
+      </p:grpSpPr>
+      <p:sp>
+        <p:nvSpPr>
+          <p:cNvPr id="2" name="Marcador de Posição da Imagem do Diapositivo 1"/>
+          <p:cNvSpPr>
+            <a:spLocks noGrp="1" noRot="1" noChangeAspect="1"/>
+          </p:cNvSpPr>
+          <p:nvPr>
+            <p:ph type="sldImg"/>
+          </p:nvPr>
+        </p:nvSpPr>
+        <p:spPr/>
+      </p:sp>
+      <p:sp>
+        <p:nvSpPr>
+          <p:cNvPr id="3" name="Marcador de Posição de Notas 2"/>
+          <p:cNvSpPr>
+            <a:spLocks noGrp="1"/>
+          </p:cNvSpPr>
+          <p:nvPr>
+            <p:ph type="body" idx="1"/>
+          </p:nvPr>
+        </p:nvSpPr>
+        <p:spPr/>
+        <p:txBody>
+          <a:bodyPr/>
+          <a:lstStyle/>
+          <a:p>
             <a:endParaRPr lang="pt-PT" b="1" u="sng" dirty="0"/>
           </a:p>
         </p:txBody>
@@ -633,7 +718,7 @@
           <a:p>
             <a:fld id="{62C9FF69-D9AD-48B5-8D39-7AA42039F77D}" type="slidenum">
               <a:rPr lang="pt-PT" smtClean="0"/>
-              <a:t>10</a:t>
+              <a:t>11</a:t>
             </a:fld>
             <a:endParaRPr lang="pt-PT"/>
           </a:p>
@@ -696,7 +781,55 @@
           <a:bodyPr/>
           <a:lstStyle/>
           <a:p>
-            <a:endParaRPr lang="pt-PT" b="0" i="0" u="sng" dirty="0"/>
+            <a:r>
+              <a:rPr lang="en-US" b="0" i="0" u="none" dirty="0" err="1"/>
+              <a:t>Permtindo</a:t>
+            </a:r>
+            <a:r>
+              <a:rPr lang="en-US" b="0" i="0" u="none" dirty="0"/>
+              <a:t> </a:t>
+            </a:r>
+            <a:r>
+              <a:rPr lang="en-US" b="0" i="0" u="none" dirty="0" err="1"/>
+              <a:t>encontrar</a:t>
+            </a:r>
+            <a:r>
+              <a:rPr lang="en-US" b="0" i="0" u="none" dirty="0"/>
+              <a:t> </a:t>
+            </a:r>
+            <a:r>
+              <a:rPr lang="en-US" b="0" i="0" u="none" dirty="0" err="1"/>
+              <a:t>novas</a:t>
+            </a:r>
+            <a:r>
+              <a:rPr lang="en-US" b="0" i="0" u="none" dirty="0"/>
+              <a:t> </a:t>
+            </a:r>
+            <a:r>
+              <a:rPr lang="en-US" b="0" i="0" u="none" dirty="0" err="1"/>
+              <a:t>relações</a:t>
+            </a:r>
+            <a:r>
+              <a:rPr lang="en-US" b="0" i="0" u="none" dirty="0"/>
+              <a:t> entre as </a:t>
+            </a:r>
+            <a:r>
+              <a:rPr lang="en-US" b="0" i="0" u="none" dirty="0" err="1"/>
+              <a:t>palavras</a:t>
+            </a:r>
+            <a:r>
+              <a:rPr lang="en-US" b="0" i="0" u="none" dirty="0"/>
+              <a:t> e </a:t>
+            </a:r>
+            <a:r>
+              <a:rPr lang="en-US" b="0" i="0" u="none" dirty="0" err="1"/>
+              <a:t>rimas</a:t>
+            </a:r>
+            <a:r>
+              <a:rPr lang="en-US" b="0" i="0" u="none" dirty="0"/>
+              <a:t> </a:t>
+            </a:r>
+            <a:endParaRPr lang="pt-PT" b="0" i="0" u="none" dirty="0"/>
           </a:p>
         </p:txBody>
       </p:sp>
@@ -1388,7 +1521,7 @@
     </p:spTree>
     <p:extLst>
       <p:ext uri="{BB962C8B-B14F-4D97-AF65-F5344CB8AC3E}">
-        <p14:creationId xmlns:p14="http://schemas.microsoft.com/office/powerpoint/2010/main" val="3945652334"/>
+        <p14:creationId xmlns:p14="http://schemas.microsoft.com/office/powerpoint/2010/main" val="515740057"/>
       </p:ext>
     </p:extLst>
   </p:cSld>
@@ -1472,7 +1605,7 @@
     </p:spTree>
     <p:extLst>
       <p:ext uri="{BB962C8B-B14F-4D97-AF65-F5344CB8AC3E}">
-        <p14:creationId xmlns:p14="http://schemas.microsoft.com/office/powerpoint/2010/main" val="515740057"/>
+        <p14:creationId xmlns:p14="http://schemas.microsoft.com/office/powerpoint/2010/main" val="3945652334"/>
       </p:ext>
     </p:extLst>
   </p:cSld>
@@ -1621,7 +1754,7 @@
           <a:p>
             <a:fld id="{1D8BD707-D9CF-40AE-B4C6-C98DA3205C09}" type="datetimeFigureOut">
               <a:rPr lang="en-US"/>
-              <a:t>6/27/2019</a:t>
+              <a:t>6/29/2019</a:t>
             </a:fld>
             <a:endParaRPr lang="en-US"/>
           </a:p>
@@ -1792,7 +1925,7 @@
           <a:p>
             <a:fld id="{1D8BD707-D9CF-40AE-B4C6-C98DA3205C09}" type="datetimeFigureOut">
               <a:rPr lang="en-US"/>
-              <a:t>6/27/2019</a:t>
+              <a:t>6/29/2019</a:t>
             </a:fld>
             <a:endParaRPr lang="en-US"/>
           </a:p>
@@ -2232,7 +2365,7 @@
           <a:p>
             <a:fld id="{1D8BD707-D9CF-40AE-B4C6-C98DA3205C09}" type="datetimeFigureOut">
               <a:rPr lang="en-US"/>
-              <a:t>6/27/2019</a:t>
+              <a:t>6/29/2019</a:t>
             </a:fld>
             <a:endParaRPr lang="en-US"/>
           </a:p>
@@ -2438,7 +2571,7 @@
           <a:p>
             <a:fld id="{1D8BD707-D9CF-40AE-B4C6-C98DA3205C09}" type="datetimeFigureOut">
               <a:rPr lang="en-US"/>
-              <a:t>6/27/2019</a:t>
+              <a:t>6/29/2019</a:t>
             </a:fld>
             <a:endParaRPr lang="en-US"/>
           </a:p>
@@ -2557,7 +2690,7 @@
           <a:p>
             <a:fld id="{1D8BD707-D9CF-40AE-B4C6-C98DA3205C09}" type="datetimeFigureOut">
               <a:rPr lang="en-US"/>
-              <a:t>6/27/2019</a:t>
+              <a:t>6/29/2019</a:t>
             </a:fld>
             <a:endParaRPr lang="en-US"/>
           </a:p>
@@ -2776,7 +2909,7 @@
           <a:p>
             <a:fld id="{1D8BD707-D9CF-40AE-B4C6-C98DA3205C09}" type="datetimeFigureOut">
               <a:rPr lang="en-US"/>
-              <a:t>6/27/2019</a:t>
+              <a:t>6/29/2019</a:t>
             </a:fld>
             <a:endParaRPr lang="en-US"/>
           </a:p>
@@ -3773,6 +3906,402 @@
         </p:nvSpPr>
         <p:spPr>
           <a:xfrm>
+            <a:off x="0" y="-1509"/>
+            <a:ext cx="9144000" cy="6858000"/>
+          </a:xfrm>
+          <a:custGeom>
+            <a:avLst/>
+            <a:gdLst/>
+            <a:ahLst/>
+            <a:cxnLst/>
+            <a:rect l="l" t="t" r="r" b="b"/>
+            <a:pathLst>
+              <a:path w="9144000" h="6858000">
+                <a:moveTo>
+                  <a:pt x="0" y="6857995"/>
+                </a:moveTo>
+                <a:lnTo>
+                  <a:pt x="9144000" y="6857995"/>
+                </a:lnTo>
+                <a:lnTo>
+                  <a:pt x="9144000" y="0"/>
+                </a:lnTo>
+                <a:lnTo>
+                  <a:pt x="0" y="0"/>
+                </a:lnTo>
+                <a:lnTo>
+                  <a:pt x="0" y="6857995"/>
+                </a:lnTo>
+                <a:close/>
+              </a:path>
+            </a:pathLst>
+          </a:custGeom>
+          <a:solidFill>
+            <a:srgbClr val="38505F"/>
+          </a:solidFill>
+        </p:spPr>
+        <p:txBody>
+          <a:bodyPr wrap="square" lIns="0" tIns="0" rIns="0" bIns="0" rtlCol="0"/>
+          <a:lstStyle/>
+          <a:p>
+            <a:br>
+              <a:rPr lang="pt-PT" dirty="0"/>
+            </a:br>
+            <a:endParaRPr dirty="0"/>
+          </a:p>
+        </p:txBody>
+      </p:sp>
+      <p:sp>
+        <p:nvSpPr>
+          <p:cNvPr id="12" name="object 2">
+            <a:extLst>
+              <a:ext uri="{FF2B5EF4-FFF2-40B4-BE49-F238E27FC236}">
+                <a16:creationId xmlns:a16="http://schemas.microsoft.com/office/drawing/2014/main" id="{A8992EC0-9B7A-40AE-A54E-A42842DEDEE2}"/>
+              </a:ext>
+            </a:extLst>
+          </p:cNvPr>
+          <p:cNvSpPr txBox="1">
+            <a:spLocks noGrp="1"/>
+          </p:cNvSpPr>
+          <p:nvPr>
+            <p:ph type="title"/>
+          </p:nvPr>
+        </p:nvSpPr>
+        <p:spPr>
+          <a:xfrm>
+            <a:off x="3103837" y="228600"/>
+            <a:ext cx="2936325" cy="461023"/>
+          </a:xfrm>
+          <a:prstGeom prst="rect">
+            <a:avLst/>
+          </a:prstGeom>
+        </p:spPr>
+        <p:txBody>
+          <a:bodyPr vert="horz" wrap="square" lIns="0" tIns="14604" rIns="0" bIns="0" rtlCol="0">
+            <a:spAutoFit/>
+          </a:bodyPr>
+          <a:lstStyle/>
+          <a:p>
+            <a:pPr marL="12700" algn="ctr">
+              <a:lnSpc>
+                <a:spcPct val="100000"/>
+              </a:lnSpc>
+              <a:spcBef>
+                <a:spcPts val="114"/>
+              </a:spcBef>
+            </a:pPr>
+            <a:r>
+              <a:rPr lang="pt-PT" spc="-185" dirty="0">
+                <a:solidFill>
+                  <a:schemeClr val="bg1"/>
+                </a:solidFill>
+              </a:rPr>
+              <a:t>Opções</a:t>
+            </a:r>
+            <a:endParaRPr spc="-185" dirty="0">
+              <a:solidFill>
+                <a:schemeClr val="bg1"/>
+              </a:solidFill>
+            </a:endParaRPr>
+          </a:p>
+        </p:txBody>
+      </p:sp>
+      <p:sp>
+        <p:nvSpPr>
+          <p:cNvPr id="35" name="Retângulo: Cantos Arredondados 34">
+            <a:extLst>
+              <a:ext uri="{FF2B5EF4-FFF2-40B4-BE49-F238E27FC236}">
+                <a16:creationId xmlns:a16="http://schemas.microsoft.com/office/drawing/2014/main" id="{F4015C38-E951-4A0E-ADBF-9748DDBD96E9}"/>
+              </a:ext>
+            </a:extLst>
+          </p:cNvPr>
+          <p:cNvSpPr/>
+          <p:nvPr/>
+        </p:nvSpPr>
+        <p:spPr>
+          <a:xfrm>
+            <a:off x="152399" y="838200"/>
+            <a:ext cx="8839200" cy="5661396"/>
+          </a:xfrm>
+          <a:prstGeom prst="roundRect">
+            <a:avLst/>
+          </a:prstGeom>
+          <a:solidFill>
+            <a:schemeClr val="bg1"/>
+          </a:solidFill>
+          <a:ln>
+            <a:solidFill>
+              <a:schemeClr val="bg1"/>
+            </a:solidFill>
+          </a:ln>
+        </p:spPr>
+        <p:style>
+          <a:lnRef idx="2">
+            <a:schemeClr val="accent1">
+              <a:shade val="50000"/>
+            </a:schemeClr>
+          </a:lnRef>
+          <a:fillRef idx="1">
+            <a:schemeClr val="accent1"/>
+          </a:fillRef>
+          <a:effectRef idx="0">
+            <a:schemeClr val="accent1"/>
+          </a:effectRef>
+          <a:fontRef idx="minor">
+            <a:schemeClr val="lt1"/>
+          </a:fontRef>
+        </p:style>
+        <p:txBody>
+          <a:bodyPr rtlCol="0" anchor="ctr"/>
+          <a:lstStyle/>
+          <a:p>
+            <a:pPr algn="ctr"/>
+            <a:br>
+              <a:rPr lang="pt-PT" dirty="0"/>
+            </a:br>
+            <a:endParaRPr lang="pt-PT" dirty="0"/>
+          </a:p>
+        </p:txBody>
+      </p:sp>
+      <p:sp>
+        <p:nvSpPr>
+          <p:cNvPr id="6" name="CaixaDeTexto 5">
+            <a:extLst>
+              <a:ext uri="{FF2B5EF4-FFF2-40B4-BE49-F238E27FC236}">
+                <a16:creationId xmlns:a16="http://schemas.microsoft.com/office/drawing/2014/main" id="{0E38BA1E-6D01-4BFE-95E5-1793DD7B8AE4}"/>
+              </a:ext>
+            </a:extLst>
+          </p:cNvPr>
+          <p:cNvSpPr txBox="1"/>
+          <p:nvPr/>
+        </p:nvSpPr>
+        <p:spPr>
+          <a:xfrm>
+            <a:off x="582441" y="1211696"/>
+            <a:ext cx="8458200" cy="4801314"/>
+          </a:xfrm>
+          <a:prstGeom prst="rect">
+            <a:avLst/>
+          </a:prstGeom>
+          <a:noFill/>
+        </p:spPr>
+        <p:txBody>
+          <a:bodyPr wrap="square" rtlCol="0">
+            <a:spAutoFit/>
+          </a:bodyPr>
+          <a:lstStyle/>
+          <a:p>
+            <a:r>
+              <a:rPr lang="pt-PT" dirty="0"/>
+              <a:t>lua carro mar</a:t>
+            </a:r>
+          </a:p>
+          <a:p>
+            <a:endParaRPr lang="pt-PT" dirty="0"/>
+          </a:p>
+          <a:p>
+            <a:r>
+              <a:rPr lang="pt-PT" dirty="0"/>
+              <a:t>Relacionadas:</a:t>
+            </a:r>
+          </a:p>
+          <a:p>
+            <a:r>
+              <a:rPr lang="pt-PT" dirty="0"/>
+              <a:t>lua:  astro noite</a:t>
+            </a:r>
+          </a:p>
+          <a:p>
+            <a:r>
+              <a:rPr lang="pt-PT" dirty="0"/>
+              <a:t>carro:  automóvel carruagem</a:t>
+            </a:r>
+          </a:p>
+          <a:p>
+            <a:r>
+              <a:rPr lang="pt-PT" dirty="0"/>
+              <a:t>mar:  grande extensão</a:t>
+            </a:r>
+          </a:p>
+          <a:p>
+            <a:endParaRPr lang="pt-PT" dirty="0"/>
+          </a:p>
+          <a:p>
+            <a:r>
+              <a:rPr lang="pt-PT" dirty="0"/>
+              <a:t>Rimas:</a:t>
+            </a:r>
+          </a:p>
+          <a:p>
+            <a:r>
+              <a:rPr lang="pt-PT" dirty="0"/>
+              <a:t>lua:  ablua intua institua rua preceitua anua acentua</a:t>
+            </a:r>
+          </a:p>
+          <a:p>
+            <a:r>
+              <a:rPr lang="pt-PT" dirty="0"/>
+              <a:t>astro:  mastro poetastro castro </a:t>
+            </a:r>
+            <a:r>
+              <a:rPr lang="pt-PT" dirty="0" err="1"/>
+              <a:t>padastro</a:t>
+            </a:r>
+            <a:r>
+              <a:rPr lang="pt-PT" dirty="0"/>
+              <a:t> alabastro balastro lastro</a:t>
+            </a:r>
+          </a:p>
+          <a:p>
+            <a:r>
+              <a:rPr lang="pt-PT" dirty="0"/>
+              <a:t>noite:  afoite amoite pernoite meia-noite boa-noite açoite abiscoite</a:t>
+            </a:r>
+          </a:p>
+          <a:p>
+            <a:r>
+              <a:rPr lang="pt-PT" dirty="0"/>
+              <a:t>carro:  esbarro barro escarro tarro bizarro desamarro charro</a:t>
+            </a:r>
+          </a:p>
+          <a:p>
+            <a:r>
+              <a:rPr lang="pt-PT" dirty="0"/>
+              <a:t>automóvel:  papamóvel móvel semimóvel eletromóvel telemóvel imóvel aeromóvel</a:t>
+            </a:r>
+          </a:p>
+          <a:p>
+            <a:r>
+              <a:rPr lang="pt-PT" dirty="0"/>
+              <a:t>carruagem:  libertinagem pastagem tiragem </a:t>
+            </a:r>
+            <a:r>
+              <a:rPr lang="pt-PT" dirty="0" err="1"/>
+              <a:t>caguetagem</a:t>
+            </a:r>
+            <a:r>
+              <a:rPr lang="pt-PT" dirty="0"/>
+              <a:t> peonagem estucagem voragem</a:t>
+            </a:r>
+          </a:p>
+          <a:p>
+            <a:r>
+              <a:rPr lang="pt-PT" dirty="0"/>
+              <a:t>mar:  brilhar quartar fanar brear ervar lacrar fretar</a:t>
+            </a:r>
+          </a:p>
+          <a:p>
+            <a:r>
+              <a:rPr lang="pt-PT" dirty="0"/>
+              <a:t>grande:  debande desmande mande sande ande expande abrande</a:t>
+            </a:r>
+          </a:p>
+          <a:p>
+            <a:r>
+              <a:rPr lang="pt-PT" dirty="0"/>
+              <a:t>extensão:  estação lousão fotão coirmão catalão nação </a:t>
+            </a:r>
+            <a:r>
+              <a:rPr lang="pt-PT" dirty="0" err="1"/>
+              <a:t>jordão</a:t>
+            </a:r>
+            <a:endParaRPr lang="pt-PT" dirty="0"/>
+          </a:p>
+        </p:txBody>
+      </p:sp>
+      <p:sp>
+        <p:nvSpPr>
+          <p:cNvPr id="7" name="Retângulo: Cantos Arredondados 6">
+            <a:extLst>
+              <a:ext uri="{FF2B5EF4-FFF2-40B4-BE49-F238E27FC236}">
+                <a16:creationId xmlns:a16="http://schemas.microsoft.com/office/drawing/2014/main" id="{3FD02150-98A8-4435-8BC8-C5B6EFE648B7}"/>
+              </a:ext>
+            </a:extLst>
+          </p:cNvPr>
+          <p:cNvSpPr/>
+          <p:nvPr/>
+        </p:nvSpPr>
+        <p:spPr>
+          <a:xfrm>
+            <a:off x="-152400" y="457200"/>
+            <a:ext cx="1600200" cy="685800"/>
+          </a:xfrm>
+          <a:prstGeom prst="roundRect">
+            <a:avLst/>
+          </a:prstGeom>
+          <a:solidFill>
+            <a:srgbClr val="0070C0"/>
+          </a:solidFill>
+          <a:ln>
+            <a:noFill/>
+          </a:ln>
+        </p:spPr>
+        <p:style>
+          <a:lnRef idx="2">
+            <a:schemeClr val="accent1">
+              <a:shade val="50000"/>
+            </a:schemeClr>
+          </a:lnRef>
+          <a:fillRef idx="1">
+            <a:schemeClr val="accent1"/>
+          </a:fillRef>
+          <a:effectRef idx="0">
+            <a:schemeClr val="accent1"/>
+          </a:effectRef>
+          <a:fontRef idx="minor">
+            <a:schemeClr val="lt1"/>
+          </a:fontRef>
+        </p:style>
+        <p:txBody>
+          <a:bodyPr rtlCol="0" anchor="ctr"/>
+          <a:lstStyle/>
+          <a:p>
+            <a:pPr algn="ctr"/>
+            <a:r>
+              <a:rPr lang="pt-PT" dirty="0"/>
+              <a:t>out.txt</a:t>
+            </a:r>
+          </a:p>
+        </p:txBody>
+      </p:sp>
+    </p:spTree>
+    <p:extLst>
+      <p:ext uri="{BB962C8B-B14F-4D97-AF65-F5344CB8AC3E}">
+        <p14:creationId xmlns:p14="http://schemas.microsoft.com/office/powerpoint/2010/main" val="3262497610"/>
+      </p:ext>
+    </p:extLst>
+  </p:cSld>
+  <p:clrMapOvr>
+    <a:masterClrMapping/>
+  </p:clrMapOvr>
+</p:sld>
+</file>
+
+<file path=ppt/slides/slide11.xml><?xml version="1.0" encoding="utf-8"?>
+<p:sld xmlns:a="http://schemas.openxmlformats.org/drawingml/2006/main" xmlns:r="http://schemas.openxmlformats.org/officeDocument/2006/relationships" xmlns:p="http://schemas.openxmlformats.org/presentationml/2006/main">
+  <p:cSld>
+    <p:spTree>
+      <p:nvGrpSpPr>
+        <p:cNvPr id="1" name=""/>
+        <p:cNvGrpSpPr/>
+        <p:nvPr/>
+      </p:nvGrpSpPr>
+      <p:grpSpPr>
+        <a:xfrm>
+          <a:off x="0" y="0"/>
+          <a:ext cx="0" cy="0"/>
+          <a:chOff x="0" y="0"/>
+          <a:chExt cx="0" cy="0"/>
+        </a:xfrm>
+      </p:grpSpPr>
+      <p:sp>
+        <p:nvSpPr>
+          <p:cNvPr id="2" name="object 2"/>
+          <p:cNvSpPr/>
+          <p:nvPr/>
+        </p:nvSpPr>
+        <p:spPr>
+          <a:xfrm>
             <a:off x="0" y="0"/>
             <a:ext cx="3790950" cy="6858000"/>
           </a:xfrm>
@@ -4604,8 +5133,8 @@
         </p:nvSpPr>
         <p:spPr>
           <a:xfrm>
-            <a:off x="609600" y="1989536"/>
-            <a:ext cx="4953000" cy="1676400"/>
+            <a:off x="533400" y="1989536"/>
+            <a:ext cx="5029200" cy="1896664"/>
           </a:xfrm>
           <a:prstGeom prst="roundRect">
             <a:avLst/>
@@ -4661,7 +5190,7 @@
         <p:spPr>
           <a:xfrm>
             <a:off x="786737" y="2176907"/>
-            <a:ext cx="4598727" cy="1215717"/>
+            <a:ext cx="4598727" cy="1477328"/>
           </a:xfrm>
           <a:prstGeom prst="rect">
             <a:avLst/>
@@ -4675,47 +5204,35 @@
           <a:lstStyle/>
           <a:p>
             <a:pPr algn="just"/>
-            <a:endParaRPr lang="pt-PT" sz="900" dirty="0">
-              <a:latin typeface="Consolas" panose="020B0609020204030204" pitchFamily="49" charset="0"/>
-              <a:cs typeface="Arial" panose="020B0604020202020204" pitchFamily="34" charset="0"/>
-            </a:endParaRPr>
-          </a:p>
-          <a:p>
-            <a:pPr algn="just"/>
-            <a:r>
-              <a:rPr lang="pt-PT" sz="1600" dirty="0">
-                <a:latin typeface="Arial" panose="020B0604020202020204" pitchFamily="34" charset="0"/>
+            <a:r>
+              <a:rPr lang="pt-PT" dirty="0">
                 <a:cs typeface="Arial" panose="020B0604020202020204" pitchFamily="34" charset="0"/>
               </a:rPr>
               <a:t>Metodologia de </a:t>
             </a:r>
             <a:r>
-              <a:rPr lang="pt-PT" sz="1600" dirty="0" err="1">
-                <a:latin typeface="Arial" panose="020B0604020202020204" pitchFamily="34" charset="0"/>
+              <a:rPr lang="pt-PT" dirty="0" err="1">
                 <a:cs typeface="Arial" panose="020B0604020202020204" pitchFamily="34" charset="0"/>
               </a:rPr>
               <a:t>Pat</a:t>
             </a:r>
             <a:r>
-              <a:rPr lang="pt-PT" sz="1600" dirty="0">
-                <a:latin typeface="Arial" panose="020B0604020202020204" pitchFamily="34" charset="0"/>
+              <a:rPr lang="pt-PT" dirty="0">
                 <a:cs typeface="Arial" panose="020B0604020202020204" pitchFamily="34" charset="0"/>
               </a:rPr>
               <a:t> </a:t>
             </a:r>
             <a:r>
-              <a:rPr lang="pt-PT" sz="1600" dirty="0" err="1">
-                <a:latin typeface="Arial" panose="020B0604020202020204" pitchFamily="34" charset="0"/>
+              <a:rPr lang="pt-PT" dirty="0" err="1">
                 <a:cs typeface="Arial" panose="020B0604020202020204" pitchFamily="34" charset="0"/>
               </a:rPr>
               <a:t>Pattison</a:t>
             </a:r>
             <a:r>
-              <a:rPr lang="pt-PT" sz="1600" dirty="0">
-                <a:latin typeface="Arial" panose="020B0604020202020204" pitchFamily="34" charset="0"/>
+              <a:rPr lang="pt-PT" dirty="0">
                 <a:cs typeface="Arial" panose="020B0604020202020204" pitchFamily="34" charset="0"/>
               </a:rPr>
-              <a:t> consiste em para um determinado tema arranjar palavras e rimas relacionadas de modo a auxiliar na criação de uma música ou poema</a:t>
+              <a:t> consiste em arranjar palavras e rimas que sejam relacionadas com um determinado tema de modo a auxiliar na criação de uma música ou poema.</a:t>
             </a:r>
           </a:p>
         </p:txBody>
@@ -6839,7 +7356,7 @@
         </p:nvSpPr>
         <p:spPr>
           <a:xfrm>
-            <a:off x="5925820" y="4133701"/>
+            <a:off x="5962020" y="4133701"/>
             <a:ext cx="931549" cy="259236"/>
           </a:xfrm>
           <a:prstGeom prst="rect">
@@ -6971,9 +7488,6 @@
           <a:bodyPr wrap="square" lIns="0" tIns="0" rIns="0" bIns="0" rtlCol="0"/>
           <a:lstStyle/>
           <a:p>
-            <a:br>
-              <a:rPr lang="pt-PT" dirty="0"/>
-            </a:br>
             <a:endParaRPr dirty="0"/>
           </a:p>
         </p:txBody>
@@ -7023,7 +7537,7 @@
                   <a:schemeClr val="bg1"/>
                 </a:solidFill>
               </a:rPr>
-              <a:t>Opções</a:t>
+              <a:t>Exemplo</a:t>
             </a:r>
             <a:endParaRPr spc="-185" dirty="0">
               <a:solidFill>
@@ -7047,8 +7561,8 @@
         </p:nvSpPr>
         <p:spPr>
           <a:xfrm>
-            <a:off x="647699" y="2438400"/>
-            <a:ext cx="7848600" cy="2534594"/>
+            <a:off x="457200" y="1143000"/>
+            <a:ext cx="8378829" cy="5070603"/>
           </a:xfrm>
           <a:prstGeom prst="roundRect">
             <a:avLst/>
@@ -7082,414 +7596,6 @@
           <a:bodyPr rtlCol="0" anchor="ctr"/>
           <a:lstStyle/>
           <a:p>
-            <a:r>
-              <a:rPr lang="pt-PT" dirty="0"/>
-              <a:t>$ python3 main.py --</a:t>
-            </a:r>
-            <a:r>
-              <a:rPr lang="pt-PT" dirty="0" err="1"/>
-              <a:t>rel</a:t>
-            </a:r>
-            <a:r>
-              <a:rPr lang="pt-PT" dirty="0"/>
-              <a:t> 2 --rima 7 --input input.txt --output out.txt</a:t>
-            </a:r>
-          </a:p>
-          <a:p>
-            <a:br>
-              <a:rPr lang="pt-PT" dirty="0"/>
-            </a:br>
-            <a:endParaRPr lang="pt-PT" dirty="0"/>
-          </a:p>
-        </p:txBody>
-      </p:sp>
-      <p:sp>
-        <p:nvSpPr>
-          <p:cNvPr id="3" name="CaixaDeTexto 2">
-            <a:extLst>
-              <a:ext uri="{FF2B5EF4-FFF2-40B4-BE49-F238E27FC236}">
-                <a16:creationId xmlns:a16="http://schemas.microsoft.com/office/drawing/2014/main" id="{E57AB91A-847C-4885-A359-48902D86E303}"/>
-              </a:ext>
-            </a:extLst>
-          </p:cNvPr>
-          <p:cNvSpPr txBox="1"/>
-          <p:nvPr/>
-        </p:nvSpPr>
-        <p:spPr>
-          <a:xfrm>
-            <a:off x="1181099" y="2667000"/>
-            <a:ext cx="6781800" cy="2308324"/>
-          </a:xfrm>
-          <a:prstGeom prst="rect">
-            <a:avLst/>
-          </a:prstGeom>
-          <a:noFill/>
-        </p:spPr>
-        <p:txBody>
-          <a:bodyPr wrap="square" rtlCol="0">
-            <a:spAutoFit/>
-          </a:bodyPr>
-          <a:lstStyle/>
-          <a:p>
-            <a:pPr marL="285750" indent="-285750">
-              <a:buFont typeface="Arial" panose="020B0604020202020204" pitchFamily="34" charset="0"/>
-              <a:buChar char="•"/>
-            </a:pPr>
-            <a:r>
-              <a:rPr lang="pt-PT" dirty="0" err="1"/>
-              <a:t>rel</a:t>
-            </a:r>
-            <a:r>
-              <a:rPr lang="pt-PT" dirty="0"/>
-              <a:t> - Permite definir o número de palavras relacionadas a mostrar.</a:t>
-            </a:r>
-          </a:p>
-          <a:p>
-            <a:pPr marL="285750" indent="-285750">
-              <a:buFont typeface="Arial" panose="020B0604020202020204" pitchFamily="34" charset="0"/>
-              <a:buChar char="•"/>
-            </a:pPr>
-            <a:endParaRPr lang="pt-PT" dirty="0"/>
-          </a:p>
-          <a:p>
-            <a:pPr marL="285750" indent="-285750">
-              <a:buFont typeface="Arial" panose="020B0604020202020204" pitchFamily="34" charset="0"/>
-              <a:buChar char="•"/>
-            </a:pPr>
-            <a:r>
-              <a:rPr lang="pt-PT" dirty="0"/>
-              <a:t>rima - Permite definir o número de rimas a mostrar.</a:t>
-            </a:r>
-          </a:p>
-          <a:p>
-            <a:pPr marL="285750" indent="-285750">
-              <a:buFont typeface="Arial" panose="020B0604020202020204" pitchFamily="34" charset="0"/>
-              <a:buChar char="•"/>
-            </a:pPr>
-            <a:endParaRPr lang="pt-PT" dirty="0"/>
-          </a:p>
-          <a:p>
-            <a:pPr marL="285750" indent="-285750">
-              <a:buFont typeface="Arial" panose="020B0604020202020204" pitchFamily="34" charset="0"/>
-              <a:buChar char="•"/>
-            </a:pPr>
-            <a:r>
-              <a:rPr lang="pt-PT" dirty="0"/>
-              <a:t>input - Permite fornecer um ficheiro como input.</a:t>
-            </a:r>
-          </a:p>
-          <a:p>
-            <a:pPr marL="285750" indent="-285750">
-              <a:buFont typeface="Arial" panose="020B0604020202020204" pitchFamily="34" charset="0"/>
-              <a:buChar char="•"/>
-            </a:pPr>
-            <a:endParaRPr lang="pt-PT" dirty="0"/>
-          </a:p>
-          <a:p>
-            <a:pPr marL="285750" indent="-285750">
-              <a:buFont typeface="Arial" panose="020B0604020202020204" pitchFamily="34" charset="0"/>
-              <a:buChar char="•"/>
-            </a:pPr>
-            <a:r>
-              <a:rPr lang="pt-PT" dirty="0"/>
-              <a:t>output - Permite retornar o output para um ficheiro</a:t>
-            </a:r>
-          </a:p>
-          <a:p>
-            <a:endParaRPr lang="pt-PT" dirty="0"/>
-          </a:p>
-        </p:txBody>
-      </p:sp>
-      <p:sp>
-        <p:nvSpPr>
-          <p:cNvPr id="35" name="Retângulo: Cantos Arredondados 34">
-            <a:extLst>
-              <a:ext uri="{FF2B5EF4-FFF2-40B4-BE49-F238E27FC236}">
-                <a16:creationId xmlns:a16="http://schemas.microsoft.com/office/drawing/2014/main" id="{F4015C38-E951-4A0E-ADBF-9748DDBD96E9}"/>
-              </a:ext>
-            </a:extLst>
-          </p:cNvPr>
-          <p:cNvSpPr/>
-          <p:nvPr/>
-        </p:nvSpPr>
-        <p:spPr>
-          <a:xfrm>
-            <a:off x="589829" y="1351607"/>
-            <a:ext cx="7964340" cy="533400"/>
-          </a:xfrm>
-          <a:prstGeom prst="roundRect">
-            <a:avLst/>
-          </a:prstGeom>
-          <a:solidFill>
-            <a:schemeClr val="bg1"/>
-          </a:solidFill>
-          <a:ln>
-            <a:solidFill>
-              <a:schemeClr val="bg1"/>
-            </a:solidFill>
-          </a:ln>
-        </p:spPr>
-        <p:style>
-          <a:lnRef idx="2">
-            <a:schemeClr val="accent1">
-              <a:shade val="50000"/>
-            </a:schemeClr>
-          </a:lnRef>
-          <a:fillRef idx="1">
-            <a:schemeClr val="accent1"/>
-          </a:fillRef>
-          <a:effectRef idx="0">
-            <a:schemeClr val="accent1"/>
-          </a:effectRef>
-          <a:fontRef idx="minor">
-            <a:schemeClr val="lt1"/>
-          </a:fontRef>
-        </p:style>
-        <p:txBody>
-          <a:bodyPr rtlCol="0" anchor="ctr"/>
-          <a:lstStyle/>
-          <a:p>
-            <a:pPr algn="ctr"/>
-            <a:br>
-              <a:rPr lang="pt-PT" dirty="0"/>
-            </a:br>
-            <a:endParaRPr lang="pt-PT" dirty="0"/>
-          </a:p>
-        </p:txBody>
-      </p:sp>
-      <p:sp>
-        <p:nvSpPr>
-          <p:cNvPr id="4" name="Retângulo 3">
-            <a:extLst>
-              <a:ext uri="{FF2B5EF4-FFF2-40B4-BE49-F238E27FC236}">
-                <a16:creationId xmlns:a16="http://schemas.microsoft.com/office/drawing/2014/main" id="{147E4541-4B8F-4606-BD5E-1EB50DAD1123}"/>
-              </a:ext>
-            </a:extLst>
-          </p:cNvPr>
-          <p:cNvSpPr/>
-          <p:nvPr/>
-        </p:nvSpPr>
-        <p:spPr>
-          <a:xfrm>
-            <a:off x="589830" y="1452890"/>
-            <a:ext cx="7964340" cy="338554"/>
-          </a:xfrm>
-          <a:prstGeom prst="rect">
-            <a:avLst/>
-          </a:prstGeom>
-        </p:spPr>
-        <p:txBody>
-          <a:bodyPr wrap="square">
-            <a:spAutoFit/>
-          </a:bodyPr>
-          <a:lstStyle/>
-          <a:p>
-            <a:pPr algn="ctr"/>
-            <a:r>
-              <a:rPr lang="pt-PT" sz="1600" dirty="0">
-                <a:latin typeface="Consolas" panose="020B0609020204030204" pitchFamily="49" charset="0"/>
-              </a:rPr>
-              <a:t>$ python3 main.py --</a:t>
-            </a:r>
-            <a:r>
-              <a:rPr lang="pt-PT" sz="1600" dirty="0" err="1">
-                <a:latin typeface="Consolas" panose="020B0609020204030204" pitchFamily="49" charset="0"/>
-              </a:rPr>
-              <a:t>rel</a:t>
-            </a:r>
-            <a:r>
-              <a:rPr lang="pt-PT" sz="1600" dirty="0">
-                <a:latin typeface="Consolas" panose="020B0609020204030204" pitchFamily="49" charset="0"/>
-              </a:rPr>
-              <a:t> 2 --rima 7 --input input.txt --output out.txt</a:t>
-            </a:r>
-          </a:p>
-        </p:txBody>
-      </p:sp>
-    </p:spTree>
-    <p:extLst>
-      <p:ext uri="{BB962C8B-B14F-4D97-AF65-F5344CB8AC3E}">
-        <p14:creationId xmlns:p14="http://schemas.microsoft.com/office/powerpoint/2010/main" val="475107009"/>
-      </p:ext>
-    </p:extLst>
-  </p:cSld>
-  <p:clrMapOvr>
-    <a:masterClrMapping/>
-  </p:clrMapOvr>
-</p:sld>
-</file>
-
-<file path=ppt/slides/slide9.xml><?xml version="1.0" encoding="utf-8"?>
-<p:sld xmlns:a="http://schemas.openxmlformats.org/drawingml/2006/main" xmlns:r="http://schemas.openxmlformats.org/officeDocument/2006/relationships" xmlns:p="http://schemas.openxmlformats.org/presentationml/2006/main">
-  <p:cSld>
-    <p:spTree>
-      <p:nvGrpSpPr>
-        <p:cNvPr id="1" name=""/>
-        <p:cNvGrpSpPr/>
-        <p:nvPr/>
-      </p:nvGrpSpPr>
-      <p:grpSpPr>
-        <a:xfrm>
-          <a:off x="0" y="0"/>
-          <a:ext cx="0" cy="0"/>
-          <a:chOff x="0" y="0"/>
-          <a:chExt cx="0" cy="0"/>
-        </a:xfrm>
-      </p:grpSpPr>
-      <p:sp>
-        <p:nvSpPr>
-          <p:cNvPr id="2" name="object 2"/>
-          <p:cNvSpPr/>
-          <p:nvPr/>
-        </p:nvSpPr>
-        <p:spPr>
-          <a:xfrm>
-            <a:off x="0" y="0"/>
-            <a:ext cx="9144000" cy="6858000"/>
-          </a:xfrm>
-          <a:custGeom>
-            <a:avLst/>
-            <a:gdLst/>
-            <a:ahLst/>
-            <a:cxnLst/>
-            <a:rect l="l" t="t" r="r" b="b"/>
-            <a:pathLst>
-              <a:path w="9144000" h="6858000">
-                <a:moveTo>
-                  <a:pt x="0" y="6857995"/>
-                </a:moveTo>
-                <a:lnTo>
-                  <a:pt x="9144000" y="6857995"/>
-                </a:lnTo>
-                <a:lnTo>
-                  <a:pt x="9144000" y="0"/>
-                </a:lnTo>
-                <a:lnTo>
-                  <a:pt x="0" y="0"/>
-                </a:lnTo>
-                <a:lnTo>
-                  <a:pt x="0" y="6857995"/>
-                </a:lnTo>
-                <a:close/>
-              </a:path>
-            </a:pathLst>
-          </a:custGeom>
-          <a:solidFill>
-            <a:srgbClr val="38505F"/>
-          </a:solidFill>
-        </p:spPr>
-        <p:txBody>
-          <a:bodyPr wrap="square" lIns="0" tIns="0" rIns="0" bIns="0" rtlCol="0"/>
-          <a:lstStyle/>
-          <a:p>
-            <a:endParaRPr dirty="0"/>
-          </a:p>
-        </p:txBody>
-      </p:sp>
-      <p:sp>
-        <p:nvSpPr>
-          <p:cNvPr id="12" name="object 2">
-            <a:extLst>
-              <a:ext uri="{FF2B5EF4-FFF2-40B4-BE49-F238E27FC236}">
-                <a16:creationId xmlns:a16="http://schemas.microsoft.com/office/drawing/2014/main" id="{A8992EC0-9B7A-40AE-A54E-A42842DEDEE2}"/>
-              </a:ext>
-            </a:extLst>
-          </p:cNvPr>
-          <p:cNvSpPr txBox="1">
-            <a:spLocks noGrp="1"/>
-          </p:cNvSpPr>
-          <p:nvPr>
-            <p:ph type="title"/>
-          </p:nvPr>
-        </p:nvSpPr>
-        <p:spPr>
-          <a:xfrm>
-            <a:off x="3103837" y="228600"/>
-            <a:ext cx="2936325" cy="461023"/>
-          </a:xfrm>
-          <a:prstGeom prst="rect">
-            <a:avLst/>
-          </a:prstGeom>
-        </p:spPr>
-        <p:txBody>
-          <a:bodyPr vert="horz" wrap="square" lIns="0" tIns="14604" rIns="0" bIns="0" rtlCol="0">
-            <a:spAutoFit/>
-          </a:bodyPr>
-          <a:lstStyle/>
-          <a:p>
-            <a:pPr marL="12700" algn="ctr">
-              <a:lnSpc>
-                <a:spcPct val="100000"/>
-              </a:lnSpc>
-              <a:spcBef>
-                <a:spcPts val="114"/>
-              </a:spcBef>
-            </a:pPr>
-            <a:r>
-              <a:rPr lang="pt-PT" spc="-185" dirty="0">
-                <a:solidFill>
-                  <a:schemeClr val="bg1"/>
-                </a:solidFill>
-              </a:rPr>
-              <a:t>Exemplo</a:t>
-            </a:r>
-            <a:endParaRPr spc="-185" dirty="0">
-              <a:solidFill>
-                <a:schemeClr val="bg1"/>
-              </a:solidFill>
-            </a:endParaRPr>
-          </a:p>
-        </p:txBody>
-      </p:sp>
-      <p:sp>
-        <p:nvSpPr>
-          <p:cNvPr id="34" name="Retângulo: Cantos Arredondados 33">
-            <a:extLst>
-              <a:ext uri="{FF2B5EF4-FFF2-40B4-BE49-F238E27FC236}">
-                <a16:creationId xmlns:a16="http://schemas.microsoft.com/office/drawing/2014/main" id="{FB0E5E29-4DD6-4141-B69C-80EC90DCD0D0}"/>
-              </a:ext>
-            </a:extLst>
-          </p:cNvPr>
-          <p:cNvSpPr/>
-          <p:nvPr/>
-        </p:nvSpPr>
-        <p:spPr>
-          <a:xfrm>
-            <a:off x="457200" y="1143000"/>
-            <a:ext cx="8378829" cy="5070603"/>
-          </a:xfrm>
-          <a:prstGeom prst="roundRect">
-            <a:avLst/>
-          </a:prstGeom>
-          <a:solidFill>
-            <a:schemeClr val="bg1"/>
-          </a:solidFill>
-          <a:ln>
-            <a:solidFill>
-              <a:schemeClr val="bg1"/>
-            </a:solidFill>
-          </a:ln>
-        </p:spPr>
-        <p:style>
-          <a:lnRef idx="2">
-            <a:schemeClr val="accent1">
-              <a:shade val="50000"/>
-            </a:schemeClr>
-          </a:lnRef>
-          <a:fillRef idx="1">
-            <a:schemeClr val="accent1"/>
-          </a:fillRef>
-          <a:effectRef idx="0">
-            <a:schemeClr val="accent1"/>
-          </a:effectRef>
-          <a:fontRef idx="minor">
-            <a:schemeClr val="lt1"/>
-          </a:fontRef>
-        </p:style>
-        <p:txBody>
-          <a:bodyPr rtlCol="0" anchor="ctr"/>
-          <a:lstStyle/>
-          <a:p>
             <a:pPr algn="ctr"/>
             <a:r>
               <a:rPr lang="pt-PT" dirty="0"/>
@@ -7567,7 +7673,7 @@
         </p:nvSpPr>
         <p:spPr>
           <a:xfrm>
-            <a:off x="1170944" y="1659325"/>
+            <a:off x="1170944" y="1633447"/>
             <a:ext cx="1510433" cy="369332"/>
           </a:xfrm>
           <a:prstGeom prst="rect">
@@ -7819,7 +7925,7 @@
         </p:blipFill>
         <p:spPr bwMode="auto">
           <a:xfrm>
-            <a:off x="848271" y="1735709"/>
+            <a:off x="848271" y="1709831"/>
             <a:ext cx="357806" cy="251060"/>
           </a:xfrm>
           <a:prstGeom prst="rect">
@@ -7866,7 +7972,7 @@
         </p:blipFill>
         <p:spPr bwMode="auto">
           <a:xfrm>
-            <a:off x="848271" y="3756206"/>
+            <a:off x="848271" y="3711340"/>
             <a:ext cx="357806" cy="251060"/>
           </a:xfrm>
           <a:prstGeom prst="rect">
@@ -8320,6 +8426,417 @@
       <p:bldP spid="6" grpId="0"/>
     </p:bldLst>
   </p:timing>
+</p:sld>
+</file>
+
+<file path=ppt/slides/slide9.xml><?xml version="1.0" encoding="utf-8"?>
+<p:sld xmlns:a="http://schemas.openxmlformats.org/drawingml/2006/main" xmlns:r="http://schemas.openxmlformats.org/officeDocument/2006/relationships" xmlns:p="http://schemas.openxmlformats.org/presentationml/2006/main">
+  <p:cSld>
+    <p:spTree>
+      <p:nvGrpSpPr>
+        <p:cNvPr id="1" name=""/>
+        <p:cNvGrpSpPr/>
+        <p:nvPr/>
+      </p:nvGrpSpPr>
+      <p:grpSpPr>
+        <a:xfrm>
+          <a:off x="0" y="0"/>
+          <a:ext cx="0" cy="0"/>
+          <a:chOff x="0" y="0"/>
+          <a:chExt cx="0" cy="0"/>
+        </a:xfrm>
+      </p:grpSpPr>
+      <p:sp>
+        <p:nvSpPr>
+          <p:cNvPr id="2" name="object 2"/>
+          <p:cNvSpPr/>
+          <p:nvPr/>
+        </p:nvSpPr>
+        <p:spPr>
+          <a:xfrm>
+            <a:off x="0" y="0"/>
+            <a:ext cx="9144000" cy="6858000"/>
+          </a:xfrm>
+          <a:custGeom>
+            <a:avLst/>
+            <a:gdLst/>
+            <a:ahLst/>
+            <a:cxnLst/>
+            <a:rect l="l" t="t" r="r" b="b"/>
+            <a:pathLst>
+              <a:path w="9144000" h="6858000">
+                <a:moveTo>
+                  <a:pt x="0" y="6857995"/>
+                </a:moveTo>
+                <a:lnTo>
+                  <a:pt x="9144000" y="6857995"/>
+                </a:lnTo>
+                <a:lnTo>
+                  <a:pt x="9144000" y="0"/>
+                </a:lnTo>
+                <a:lnTo>
+                  <a:pt x="0" y="0"/>
+                </a:lnTo>
+                <a:lnTo>
+                  <a:pt x="0" y="6857995"/>
+                </a:lnTo>
+                <a:close/>
+              </a:path>
+            </a:pathLst>
+          </a:custGeom>
+          <a:solidFill>
+            <a:srgbClr val="38505F"/>
+          </a:solidFill>
+        </p:spPr>
+        <p:txBody>
+          <a:bodyPr wrap="square" lIns="0" tIns="0" rIns="0" bIns="0" rtlCol="0"/>
+          <a:lstStyle/>
+          <a:p>
+            <a:br>
+              <a:rPr lang="pt-PT" dirty="0"/>
+            </a:br>
+            <a:endParaRPr dirty="0"/>
+          </a:p>
+        </p:txBody>
+      </p:sp>
+      <p:sp>
+        <p:nvSpPr>
+          <p:cNvPr id="12" name="object 2">
+            <a:extLst>
+              <a:ext uri="{FF2B5EF4-FFF2-40B4-BE49-F238E27FC236}">
+                <a16:creationId xmlns:a16="http://schemas.microsoft.com/office/drawing/2014/main" id="{A8992EC0-9B7A-40AE-A54E-A42842DEDEE2}"/>
+              </a:ext>
+            </a:extLst>
+          </p:cNvPr>
+          <p:cNvSpPr txBox="1">
+            <a:spLocks noGrp="1"/>
+          </p:cNvSpPr>
+          <p:nvPr>
+            <p:ph type="title"/>
+          </p:nvPr>
+        </p:nvSpPr>
+        <p:spPr>
+          <a:xfrm>
+            <a:off x="3103837" y="228600"/>
+            <a:ext cx="2936325" cy="461023"/>
+          </a:xfrm>
+          <a:prstGeom prst="rect">
+            <a:avLst/>
+          </a:prstGeom>
+        </p:spPr>
+        <p:txBody>
+          <a:bodyPr vert="horz" wrap="square" lIns="0" tIns="14604" rIns="0" bIns="0" rtlCol="0">
+            <a:spAutoFit/>
+          </a:bodyPr>
+          <a:lstStyle/>
+          <a:p>
+            <a:pPr marL="12700" algn="ctr">
+              <a:lnSpc>
+                <a:spcPct val="100000"/>
+              </a:lnSpc>
+              <a:spcBef>
+                <a:spcPts val="114"/>
+              </a:spcBef>
+            </a:pPr>
+            <a:r>
+              <a:rPr lang="pt-PT" spc="-185" dirty="0">
+                <a:solidFill>
+                  <a:schemeClr val="bg1"/>
+                </a:solidFill>
+              </a:rPr>
+              <a:t>Opções</a:t>
+            </a:r>
+            <a:endParaRPr spc="-185" dirty="0">
+              <a:solidFill>
+                <a:schemeClr val="bg1"/>
+              </a:solidFill>
+            </a:endParaRPr>
+          </a:p>
+        </p:txBody>
+      </p:sp>
+      <p:sp>
+        <p:nvSpPr>
+          <p:cNvPr id="34" name="Retângulo: Cantos Arredondados 33">
+            <a:extLst>
+              <a:ext uri="{FF2B5EF4-FFF2-40B4-BE49-F238E27FC236}">
+                <a16:creationId xmlns:a16="http://schemas.microsoft.com/office/drawing/2014/main" id="{FB0E5E29-4DD6-4141-B69C-80EC90DCD0D0}"/>
+              </a:ext>
+            </a:extLst>
+          </p:cNvPr>
+          <p:cNvSpPr/>
+          <p:nvPr/>
+        </p:nvSpPr>
+        <p:spPr>
+          <a:xfrm>
+            <a:off x="647699" y="2438400"/>
+            <a:ext cx="7848600" cy="2534594"/>
+          </a:xfrm>
+          <a:prstGeom prst="roundRect">
+            <a:avLst/>
+          </a:prstGeom>
+          <a:solidFill>
+            <a:schemeClr val="bg1"/>
+          </a:solidFill>
+          <a:ln>
+            <a:solidFill>
+              <a:schemeClr val="bg1"/>
+            </a:solidFill>
+          </a:ln>
+        </p:spPr>
+        <p:style>
+          <a:lnRef idx="2">
+            <a:schemeClr val="accent1">
+              <a:shade val="50000"/>
+            </a:schemeClr>
+          </a:lnRef>
+          <a:fillRef idx="1">
+            <a:schemeClr val="accent1"/>
+          </a:fillRef>
+          <a:effectRef idx="0">
+            <a:schemeClr val="accent1"/>
+          </a:effectRef>
+          <a:fontRef idx="minor">
+            <a:schemeClr val="lt1"/>
+          </a:fontRef>
+        </p:style>
+        <p:txBody>
+          <a:bodyPr rtlCol="0" anchor="ctr"/>
+          <a:lstStyle/>
+          <a:p>
+            <a:r>
+              <a:rPr lang="pt-PT" dirty="0"/>
+              <a:t>$ python3 main.py --</a:t>
+            </a:r>
+            <a:r>
+              <a:rPr lang="pt-PT" dirty="0" err="1"/>
+              <a:t>rel</a:t>
+            </a:r>
+            <a:r>
+              <a:rPr lang="pt-PT" dirty="0"/>
+              <a:t> 2 --rima 7 --input input.txt --output out.txt</a:t>
+            </a:r>
+          </a:p>
+          <a:p>
+            <a:br>
+              <a:rPr lang="pt-PT" dirty="0"/>
+            </a:br>
+            <a:endParaRPr lang="pt-PT" dirty="0"/>
+          </a:p>
+        </p:txBody>
+      </p:sp>
+      <p:sp>
+        <p:nvSpPr>
+          <p:cNvPr id="3" name="CaixaDeTexto 2">
+            <a:extLst>
+              <a:ext uri="{FF2B5EF4-FFF2-40B4-BE49-F238E27FC236}">
+                <a16:creationId xmlns:a16="http://schemas.microsoft.com/office/drawing/2014/main" id="{E57AB91A-847C-4885-A359-48902D86E303}"/>
+              </a:ext>
+            </a:extLst>
+          </p:cNvPr>
+          <p:cNvSpPr txBox="1"/>
+          <p:nvPr/>
+        </p:nvSpPr>
+        <p:spPr>
+          <a:xfrm>
+            <a:off x="1181099" y="2667000"/>
+            <a:ext cx="6781800" cy="2308324"/>
+          </a:xfrm>
+          <a:prstGeom prst="rect">
+            <a:avLst/>
+          </a:prstGeom>
+          <a:noFill/>
+        </p:spPr>
+        <p:txBody>
+          <a:bodyPr wrap="square" rtlCol="0">
+            <a:spAutoFit/>
+          </a:bodyPr>
+          <a:lstStyle/>
+          <a:p>
+            <a:pPr marL="285750" indent="-285750">
+              <a:buFont typeface="Arial" panose="020B0604020202020204" pitchFamily="34" charset="0"/>
+              <a:buChar char="•"/>
+            </a:pPr>
+            <a:r>
+              <a:rPr lang="pt-PT" dirty="0" err="1"/>
+              <a:t>rel</a:t>
+            </a:r>
+            <a:r>
+              <a:rPr lang="pt-PT" dirty="0"/>
+              <a:t> - Permite definir o número de palavras relacionadas a mostrar.</a:t>
+            </a:r>
+          </a:p>
+          <a:p>
+            <a:pPr marL="285750" indent="-285750">
+              <a:buFont typeface="Arial" panose="020B0604020202020204" pitchFamily="34" charset="0"/>
+              <a:buChar char="•"/>
+            </a:pPr>
+            <a:endParaRPr lang="pt-PT" dirty="0"/>
+          </a:p>
+          <a:p>
+            <a:pPr marL="285750" indent="-285750">
+              <a:buFont typeface="Arial" panose="020B0604020202020204" pitchFamily="34" charset="0"/>
+              <a:buChar char="•"/>
+            </a:pPr>
+            <a:r>
+              <a:rPr lang="pt-PT" dirty="0"/>
+              <a:t>rima - Permite definir o número de rimas a mostrar.</a:t>
+            </a:r>
+          </a:p>
+          <a:p>
+            <a:pPr marL="285750" indent="-285750">
+              <a:buFont typeface="Arial" panose="020B0604020202020204" pitchFamily="34" charset="0"/>
+              <a:buChar char="•"/>
+            </a:pPr>
+            <a:endParaRPr lang="pt-PT" dirty="0"/>
+          </a:p>
+          <a:p>
+            <a:pPr marL="285750" indent="-285750">
+              <a:buFont typeface="Arial" panose="020B0604020202020204" pitchFamily="34" charset="0"/>
+              <a:buChar char="•"/>
+            </a:pPr>
+            <a:r>
+              <a:rPr lang="pt-PT" dirty="0"/>
+              <a:t>input - Permite fornecer um ficheiro como input.</a:t>
+            </a:r>
+          </a:p>
+          <a:p>
+            <a:pPr marL="285750" indent="-285750">
+              <a:buFont typeface="Arial" panose="020B0604020202020204" pitchFamily="34" charset="0"/>
+              <a:buChar char="•"/>
+            </a:pPr>
+            <a:endParaRPr lang="pt-PT" dirty="0"/>
+          </a:p>
+          <a:p>
+            <a:pPr marL="285750" indent="-285750">
+              <a:buFont typeface="Arial" panose="020B0604020202020204" pitchFamily="34" charset="0"/>
+              <a:buChar char="•"/>
+            </a:pPr>
+            <a:r>
+              <a:rPr lang="pt-PT" dirty="0"/>
+              <a:t>output - Permite retornar o output para um ficheiro</a:t>
+            </a:r>
+          </a:p>
+          <a:p>
+            <a:endParaRPr lang="pt-PT" dirty="0"/>
+          </a:p>
+        </p:txBody>
+      </p:sp>
+      <p:sp>
+        <p:nvSpPr>
+          <p:cNvPr id="35" name="Retângulo: Cantos Arredondados 34">
+            <a:extLst>
+              <a:ext uri="{FF2B5EF4-FFF2-40B4-BE49-F238E27FC236}">
+                <a16:creationId xmlns:a16="http://schemas.microsoft.com/office/drawing/2014/main" id="{F4015C38-E951-4A0E-ADBF-9748DDBD96E9}"/>
+              </a:ext>
+            </a:extLst>
+          </p:cNvPr>
+          <p:cNvSpPr/>
+          <p:nvPr/>
+        </p:nvSpPr>
+        <p:spPr>
+          <a:xfrm>
+            <a:off x="589829" y="1351607"/>
+            <a:ext cx="7964340" cy="533400"/>
+          </a:xfrm>
+          <a:prstGeom prst="roundRect">
+            <a:avLst/>
+          </a:prstGeom>
+          <a:solidFill>
+            <a:schemeClr val="bg1"/>
+          </a:solidFill>
+          <a:ln>
+            <a:solidFill>
+              <a:schemeClr val="bg1"/>
+            </a:solidFill>
+          </a:ln>
+        </p:spPr>
+        <p:style>
+          <a:lnRef idx="2">
+            <a:schemeClr val="accent1">
+              <a:shade val="50000"/>
+            </a:schemeClr>
+          </a:lnRef>
+          <a:fillRef idx="1">
+            <a:schemeClr val="accent1"/>
+          </a:fillRef>
+          <a:effectRef idx="0">
+            <a:schemeClr val="accent1"/>
+          </a:effectRef>
+          <a:fontRef idx="minor">
+            <a:schemeClr val="lt1"/>
+          </a:fontRef>
+        </p:style>
+        <p:txBody>
+          <a:bodyPr rtlCol="0" anchor="ctr"/>
+          <a:lstStyle/>
+          <a:p>
+            <a:pPr algn="ctr"/>
+            <a:br>
+              <a:rPr lang="pt-PT" dirty="0"/>
+            </a:br>
+            <a:endParaRPr lang="pt-PT" dirty="0"/>
+          </a:p>
+        </p:txBody>
+      </p:sp>
+      <p:sp>
+        <p:nvSpPr>
+          <p:cNvPr id="4" name="Retângulo 3">
+            <a:extLst>
+              <a:ext uri="{FF2B5EF4-FFF2-40B4-BE49-F238E27FC236}">
+                <a16:creationId xmlns:a16="http://schemas.microsoft.com/office/drawing/2014/main" id="{147E4541-4B8F-4606-BD5E-1EB50DAD1123}"/>
+              </a:ext>
+            </a:extLst>
+          </p:cNvPr>
+          <p:cNvSpPr/>
+          <p:nvPr/>
+        </p:nvSpPr>
+        <p:spPr>
+          <a:xfrm>
+            <a:off x="589830" y="1452890"/>
+            <a:ext cx="7964340" cy="338554"/>
+          </a:xfrm>
+          <a:prstGeom prst="rect">
+            <a:avLst/>
+          </a:prstGeom>
+        </p:spPr>
+        <p:txBody>
+          <a:bodyPr wrap="square">
+            <a:spAutoFit/>
+          </a:bodyPr>
+          <a:lstStyle/>
+          <a:p>
+            <a:pPr algn="ctr"/>
+            <a:r>
+              <a:rPr lang="pt-PT" sz="1600" dirty="0">
+                <a:latin typeface="Consolas" panose="020B0609020204030204" pitchFamily="49" charset="0"/>
+              </a:rPr>
+              <a:t>$ python3 main.py --</a:t>
+            </a:r>
+            <a:r>
+              <a:rPr lang="pt-PT" sz="1600" dirty="0" err="1">
+                <a:latin typeface="Consolas" panose="020B0609020204030204" pitchFamily="49" charset="0"/>
+              </a:rPr>
+              <a:t>rel</a:t>
+            </a:r>
+            <a:r>
+              <a:rPr lang="pt-PT" sz="1600" dirty="0">
+                <a:latin typeface="Consolas" panose="020B0609020204030204" pitchFamily="49" charset="0"/>
+              </a:rPr>
+              <a:t> 2 --rima 7 --input input.txt --output out.txt</a:t>
+            </a:r>
+          </a:p>
+        </p:txBody>
+      </p:sp>
+    </p:spTree>
+    <p:extLst>
+      <p:ext uri="{BB962C8B-B14F-4D97-AF65-F5344CB8AC3E}">
+        <p14:creationId xmlns:p14="http://schemas.microsoft.com/office/powerpoint/2010/main" val="475107009"/>
+      </p:ext>
+    </p:extLst>
+  </p:cSld>
+  <p:clrMapOvr>
+    <a:masterClrMapping/>
+  </p:clrMapOvr>
 </p:sld>
 </file>
 

--- a/SPLN/tp3/apresSPLN.pptx
+++ b/SPLN/tp3/apresSPLN.pptx
@@ -5077,7 +5077,7 @@
         </p:nvSpPr>
         <p:spPr>
           <a:xfrm>
-            <a:off x="0" y="0"/>
+            <a:off x="-1" y="0"/>
             <a:ext cx="9144000" cy="6858000"/>
           </a:xfrm>
           <a:custGeom>
@@ -5232,7 +5232,7 @@
               <a:rPr lang="pt-PT" dirty="0">
                 <a:cs typeface="Arial" panose="020B0604020202020204" pitchFamily="34" charset="0"/>
               </a:rPr>
-              <a:t> consiste em arranjar palavras e rimas que sejam relacionadas com um determinado tema de modo a auxiliar na criação de uma música ou poema.</a:t>
+              <a:t> consiste em arranjar palavras e rimas que estejam relacionadas com um determinado tema de modo a auxiliar na criação de uma música ou poema.</a:t>
             </a:r>
           </a:p>
         </p:txBody>

--- a/SPLN/tp3/apresSPLN.pptx
+++ b/SPLN/tp3/apresSPLN.pptx
@@ -18,7 +18,7 @@
     <p:sldId id="339" r:id="rId9"/>
     <p:sldId id="341" r:id="rId10"/>
     <p:sldId id="342" r:id="rId11"/>
-    <p:sldId id="340" r:id="rId12"/>
+    <p:sldId id="343" r:id="rId12"/>
   </p:sldIdLst>
   <p:sldSz cx="9144000" cy="6858000" type="screen4x3"/>
   <p:notesSz cx="9144000" cy="6858000"/>
@@ -218,7 +218,7 @@
           <a:p>
             <a:fld id="{06D80BC0-DB8E-4343-896B-DB141BAE3B05}" type="datetimeFigureOut">
               <a:rPr lang="pt-PT" smtClean="0"/>
-              <a:t>29/06/2019</a:t>
+              <a:t>30/06/2019</a:t>
             </a:fld>
             <a:endParaRPr lang="pt-PT"/>
           </a:p>
@@ -727,7 +727,7 @@
     </p:spTree>
     <p:extLst>
       <p:ext uri="{BB962C8B-B14F-4D97-AF65-F5344CB8AC3E}">
-        <p14:creationId xmlns:p14="http://schemas.microsoft.com/office/powerpoint/2010/main" val="3318054874"/>
+        <p14:creationId xmlns:p14="http://schemas.microsoft.com/office/powerpoint/2010/main" val="4060122901"/>
       </p:ext>
     </p:extLst>
   </p:cSld>
@@ -1754,7 +1754,7 @@
           <a:p>
             <a:fld id="{1D8BD707-D9CF-40AE-B4C6-C98DA3205C09}" type="datetimeFigureOut">
               <a:rPr lang="en-US"/>
-              <a:t>6/29/2019</a:t>
+              <a:t>6/30/2019</a:t>
             </a:fld>
             <a:endParaRPr lang="en-US"/>
           </a:p>
@@ -1925,7 +1925,7 @@
           <a:p>
             <a:fld id="{1D8BD707-D9CF-40AE-B4C6-C98DA3205C09}" type="datetimeFigureOut">
               <a:rPr lang="en-US"/>
-              <a:t>6/29/2019</a:t>
+              <a:t>6/30/2019</a:t>
             </a:fld>
             <a:endParaRPr lang="en-US"/>
           </a:p>
@@ -2365,7 +2365,7 @@
           <a:p>
             <a:fld id="{1D8BD707-D9CF-40AE-B4C6-C98DA3205C09}" type="datetimeFigureOut">
               <a:rPr lang="en-US"/>
-              <a:t>6/29/2019</a:t>
+              <a:t>6/30/2019</a:t>
             </a:fld>
             <a:endParaRPr lang="en-US"/>
           </a:p>
@@ -2571,7 +2571,7 @@
           <a:p>
             <a:fld id="{1D8BD707-D9CF-40AE-B4C6-C98DA3205C09}" type="datetimeFigureOut">
               <a:rPr lang="en-US"/>
-              <a:t>6/29/2019</a:t>
+              <a:t>6/30/2019</a:t>
             </a:fld>
             <a:endParaRPr lang="en-US"/>
           </a:p>
@@ -2690,7 +2690,7 @@
           <a:p>
             <a:fld id="{1D8BD707-D9CF-40AE-B4C6-C98DA3205C09}" type="datetimeFigureOut">
               <a:rPr lang="en-US"/>
-              <a:t>6/29/2019</a:t>
+              <a:t>6/30/2019</a:t>
             </a:fld>
             <a:endParaRPr lang="en-US"/>
           </a:p>
@@ -2909,7 +2909,7 @@
           <a:p>
             <a:fld id="{1D8BD707-D9CF-40AE-B4C6-C98DA3205C09}" type="datetimeFigureOut">
               <a:rPr lang="en-US"/>
-              <a:t>6/29/2019</a:t>
+              <a:t>6/30/2019</a:t>
             </a:fld>
             <a:endParaRPr lang="en-US"/>
           </a:p>
@@ -3240,8 +3240,8 @@
         </p:nvSpPr>
         <p:spPr>
           <a:xfrm>
-            <a:off x="4356914" y="2847247"/>
-            <a:ext cx="4481552" cy="507831"/>
+            <a:off x="4356914" y="2703982"/>
+            <a:ext cx="4481552" cy="830997"/>
           </a:xfrm>
           <a:prstGeom prst="rect">
             <a:avLst/>
@@ -3271,7 +3271,27 @@
               </a:rPr>
               <a:t>Editor de Música</a:t>
             </a:r>
-            <a:endParaRPr sz="2800" dirty="0">
+          </a:p>
+          <a:p>
+            <a:pPr algn="ctr">
+              <a:lnSpc>
+                <a:spcPct val="100000"/>
+              </a:lnSpc>
+              <a:spcBef>
+                <a:spcPts val="600"/>
+              </a:spcBef>
+            </a:pPr>
+            <a:r>
+              <a:rPr lang="pt-PT" sz="1600" b="1" spc="-90" dirty="0">
+                <a:solidFill>
+                  <a:srgbClr val="FFFFFF"/>
+                </a:solidFill>
+                <a:latin typeface="Arial"/>
+                <a:cs typeface="Arial"/>
+              </a:rPr>
+              <a:t>Opção 5</a:t>
+            </a:r>
+            <a:endParaRPr sz="1600" dirty="0">
               <a:latin typeface="Arial"/>
               <a:cs typeface="Arial"/>
             </a:endParaRPr>
@@ -4406,8 +4426,8 @@
         </p:nvSpPr>
         <p:spPr>
           <a:xfrm>
-            <a:off x="4356914" y="2847247"/>
-            <a:ext cx="4481552" cy="507831"/>
+            <a:off x="4356914" y="2703982"/>
+            <a:ext cx="4481552" cy="830997"/>
           </a:xfrm>
           <a:prstGeom prst="rect">
             <a:avLst/>
@@ -4437,7 +4457,27 @@
               </a:rPr>
               <a:t>Editor de Música</a:t>
             </a:r>
-            <a:endParaRPr sz="2800" dirty="0">
+          </a:p>
+          <a:p>
+            <a:pPr algn="ctr">
+              <a:lnSpc>
+                <a:spcPct val="100000"/>
+              </a:lnSpc>
+              <a:spcBef>
+                <a:spcPts val="600"/>
+              </a:spcBef>
+            </a:pPr>
+            <a:r>
+              <a:rPr lang="pt-PT" sz="1600" b="1" spc="-90" dirty="0">
+                <a:solidFill>
+                  <a:srgbClr val="FFFFFF"/>
+                </a:solidFill>
+                <a:latin typeface="Arial"/>
+                <a:cs typeface="Arial"/>
+              </a:rPr>
+              <a:t>Opção 5</a:t>
+            </a:r>
+            <a:endParaRPr sz="1600" dirty="0">
               <a:latin typeface="Arial"/>
               <a:cs typeface="Arial"/>
             </a:endParaRPr>
@@ -5042,7 +5082,7 @@
     </p:spTree>
     <p:extLst>
       <p:ext uri="{BB962C8B-B14F-4D97-AF65-F5344CB8AC3E}">
-        <p14:creationId xmlns:p14="http://schemas.microsoft.com/office/powerpoint/2010/main" val="3542801177"/>
+        <p14:creationId xmlns:p14="http://schemas.microsoft.com/office/powerpoint/2010/main" val="22524200"/>
       </p:ext>
     </p:extLst>
   </p:cSld>
